--- a/Material de Apoyo/DART_2023_T1.pptx
+++ b/Material de Apoyo/DART_2023_T1.pptx
@@ -5,10 +5,10 @@
     <p:sldMasterId id="2147483782" r:id="rId1"/>
   </p:sldMasterIdLst>
   <p:notesMasterIdLst>
-    <p:notesMasterId r:id="rId25"/>
+    <p:notesMasterId r:id="rId24"/>
   </p:notesMasterIdLst>
   <p:handoutMasterIdLst>
-    <p:handoutMasterId r:id="rId26"/>
+    <p:handoutMasterId r:id="rId25"/>
   </p:handoutMasterIdLst>
   <p:sldIdLst>
     <p:sldId id="256" r:id="rId2"/>
@@ -31,9 +31,8 @@
     <p:sldId id="271" r:id="rId19"/>
     <p:sldId id="272" r:id="rId20"/>
     <p:sldId id="273" r:id="rId21"/>
-    <p:sldId id="274" r:id="rId22"/>
-    <p:sldId id="275" r:id="rId23"/>
-    <p:sldId id="278" r:id="rId24"/>
+    <p:sldId id="275" r:id="rId22"/>
+    <p:sldId id="278" r:id="rId23"/>
   </p:sldIdLst>
   <p:sldSz cx="12192000" cy="6858000"/>
   <p:notesSz cx="7104063" cy="10234613"/>
@@ -233,7 +232,7 @@
           <a:p>
             <a:fld id="{0F9B84EA-7D68-4D60-9CB1-D50884785D1C}" type="datetimeFigureOut">
               <a:rPr lang="en-US" smtClean="0"/>
-              <a:t>2/12/2024</a:t>
+              <a:t>2/13/2024</a:t>
             </a:fld>
             <a:endParaRPr lang="en-US"/>
           </a:p>
@@ -398,7 +397,7 @@
           <a:p>
             <a:fld id="{D6C8D182-E4C8-4120-9249-FC9774456FFA}" type="datetimeFigureOut">
               <a:rPr lang="en-US" smtClean="0"/>
-              <a:t>2/12/2024</a:t>
+              <a:t>2/13/2024</a:t>
             </a:fld>
             <a:endParaRPr lang="en-US"/>
           </a:p>
@@ -9453,7 +9452,7 @@
           <a:p>
             <a:fld id="{760FBDFE-C587-4B4C-A407-44438C67B59E}" type="datetimeFigureOut">
               <a:rPr lang="en-US" smtClean="0"/>
-              <a:t>2/12/2024</a:t>
+              <a:t>2/13/2024</a:t>
             </a:fld>
             <a:endParaRPr lang="en-US" dirty="0"/>
           </a:p>
@@ -9661,7 +9660,7 @@
           <a:p>
             <a:fld id="{760FBDFE-C587-4B4C-A407-44438C67B59E}" type="datetimeFigureOut">
               <a:rPr lang="en-US" smtClean="0"/>
-              <a:t>2/12/2024</a:t>
+              <a:t>2/13/2024</a:t>
             </a:fld>
             <a:endParaRPr lang="en-US" dirty="0"/>
           </a:p>
@@ -9842,7 +9841,7 @@
           <a:p>
             <a:fld id="{760FBDFE-C587-4B4C-A407-44438C67B59E}" type="datetimeFigureOut">
               <a:rPr lang="en-US" smtClean="0"/>
-              <a:t>2/12/2024</a:t>
+              <a:t>2/13/2024</a:t>
             </a:fld>
             <a:endParaRPr lang="en-US" dirty="0"/>
           </a:p>
@@ -10048,7 +10047,7 @@
           <a:p>
             <a:fld id="{760FBDFE-C587-4B4C-A407-44438C67B59E}" type="datetimeFigureOut">
               <a:rPr lang="en-US" smtClean="0"/>
-              <a:t>2/12/2024</a:t>
+              <a:t>2/13/2024</a:t>
             </a:fld>
             <a:endParaRPr lang="en-US" dirty="0"/>
           </a:p>
@@ -18947,7 +18946,7 @@
           <a:p>
             <a:fld id="{760FBDFE-C587-4B4C-A407-44438C67B59E}" type="datetimeFigureOut">
               <a:rPr lang="en-US" smtClean="0"/>
-              <a:t>2/12/2024</a:t>
+              <a:t>2/13/2024</a:t>
             </a:fld>
             <a:endParaRPr lang="en-US" dirty="0"/>
           </a:p>
@@ -19222,7 +19221,7 @@
           <a:p>
             <a:fld id="{760FBDFE-C587-4B4C-A407-44438C67B59E}" type="datetimeFigureOut">
               <a:rPr lang="en-US" smtClean="0"/>
-              <a:t>2/12/2024</a:t>
+              <a:t>2/13/2024</a:t>
             </a:fld>
             <a:endParaRPr lang="en-US" dirty="0"/>
           </a:p>
@@ -19621,7 +19620,7 @@
           <a:p>
             <a:fld id="{760FBDFE-C587-4B4C-A407-44438C67B59E}" type="datetimeFigureOut">
               <a:rPr lang="en-US" smtClean="0"/>
-              <a:t>2/12/2024</a:t>
+              <a:t>2/13/2024</a:t>
             </a:fld>
             <a:endParaRPr lang="en-US" dirty="0"/>
           </a:p>
@@ -19740,7 +19739,7 @@
           <a:p>
             <a:fld id="{760FBDFE-C587-4B4C-A407-44438C67B59E}" type="datetimeFigureOut">
               <a:rPr lang="en-US" smtClean="0"/>
-              <a:t>2/12/2024</a:t>
+              <a:t>2/13/2024</a:t>
             </a:fld>
             <a:endParaRPr lang="en-US" dirty="0"/>
           </a:p>
@@ -19836,7 +19835,7 @@
           <a:p>
             <a:fld id="{760FBDFE-C587-4B4C-A407-44438C67B59E}" type="datetimeFigureOut">
               <a:rPr lang="en-US" smtClean="0"/>
-              <a:t>2/12/2024</a:t>
+              <a:t>2/13/2024</a:t>
             </a:fld>
             <a:endParaRPr lang="en-US" dirty="0"/>
           </a:p>
@@ -20127,7 +20126,7 @@
           <a:p>
             <a:fld id="{760FBDFE-C587-4B4C-A407-44438C67B59E}" type="datetimeFigureOut">
               <a:rPr lang="en-US" smtClean="0"/>
-              <a:t>2/12/2024</a:t>
+              <a:t>2/13/2024</a:t>
             </a:fld>
             <a:endParaRPr lang="en-US" dirty="0"/>
           </a:p>
@@ -20408,7 +20407,7 @@
           <a:p>
             <a:fld id="{760FBDFE-C587-4B4C-A407-44438C67B59E}" type="datetimeFigureOut">
               <a:rPr lang="en-US" smtClean="0"/>
-              <a:t>2/12/2024</a:t>
+              <a:t>2/13/2024</a:t>
             </a:fld>
             <a:endParaRPr lang="en-US" dirty="0"/>
           </a:p>
@@ -20659,7 +20658,7 @@
           <a:p>
             <a:fld id="{760FBDFE-C587-4B4C-A407-44438C67B59E}" type="datetimeFigureOut">
               <a:rPr lang="en-US" smtClean="0"/>
-              <a:t>2/12/2024</a:t>
+              <a:t>2/13/2024</a:t>
             </a:fld>
             <a:endParaRPr lang="en-US" dirty="0"/>
           </a:p>
@@ -35809,1301 +35808,6 @@
           <a:lstStyle/>
           <a:p>
             <a:r>
-              <a:rPr lang="es-ES" altLang="en-US"/>
-              <a:t>Clases</a:t>
-            </a:r>
-          </a:p>
-        </p:txBody>
-      </p:sp>
-      <p:graphicFrame>
-        <p:nvGraphicFramePr>
-          <p:cNvPr id="5" name="Marcador de posición de contenido 4"/>
-          <p:cNvGraphicFramePr>
-            <a:graphicFrameLocks noGrp="1"/>
-          </p:cNvGraphicFramePr>
-          <p:nvPr>
-            <p:ph idx="1"/>
-            <p:extLst>
-              <p:ext uri="{D42A27DB-BD31-4B8C-83A1-F6EECF244321}">
-                <p14:modId xmlns:p14="http://schemas.microsoft.com/office/powerpoint/2010/main" val="3836038482"/>
-              </p:ext>
-            </p:extLst>
-          </p:nvPr>
-        </p:nvGraphicFramePr>
-        <p:xfrm>
-          <a:off x="2673350" y="779780"/>
-          <a:ext cx="8293100" cy="5466080"/>
-        </p:xfrm>
-        <a:graphic>
-          <a:graphicData uri="http://schemas.openxmlformats.org/drawingml/2006/table">
-            <a:tbl>
-              <a:tblPr firstRow="1" bandRow="1">
-                <a:tableStyleId>{5C22544A-7EE6-4342-B048-85BDC9FD1C3A}</a:tableStyleId>
-              </a:tblPr>
-              <a:tblGrid>
-                <a:gridCol w="4146550">
-                  <a:extLst>
-                    <a:ext uri="{9D8B030D-6E8A-4147-A177-3AD203B41FA5}">
-                      <a16:colId xmlns:a16="http://schemas.microsoft.com/office/drawing/2014/main" val="20000"/>
-                    </a:ext>
-                  </a:extLst>
-                </a:gridCol>
-                <a:gridCol w="4146550">
-                  <a:extLst>
-                    <a:ext uri="{9D8B030D-6E8A-4147-A177-3AD203B41FA5}">
-                      <a16:colId xmlns:a16="http://schemas.microsoft.com/office/drawing/2014/main" val="20001"/>
-                    </a:ext>
-                  </a:extLst>
-                </a:gridCol>
-              </a:tblGrid>
-              <a:tr h="365760">
-                <a:tc gridSpan="2">
-                  <a:txBody>
-                    <a:bodyPr/>
-                    <a:lstStyle/>
-                    <a:p>
-                      <a:pPr>
-                        <a:buNone/>
-                      </a:pPr>
-                      <a:r>
-                        <a:rPr lang="es-ES" altLang="en-US" dirty="0" err="1"/>
-                        <a:t>Mixins</a:t>
-                      </a:r>
-                      <a:r>
-                        <a:rPr lang="es-ES" altLang="en-US" dirty="0"/>
-                        <a:t>: Agregar funcionalidades a una clase</a:t>
-                      </a:r>
-                    </a:p>
-                  </a:txBody>
-                  <a:tcPr/>
-                </a:tc>
-                <a:tc hMerge="1">
-                  <a:txBody>
-                    <a:bodyPr/>
-                    <a:lstStyle/>
-                    <a:p>
-                      <a:endParaRPr lang="es-CO"/>
-                    </a:p>
-                  </a:txBody>
-                  <a:tcPr/>
-                </a:tc>
-                <a:extLst>
-                  <a:ext uri="{0D108BD9-81ED-4DB2-BD59-A6C34878D82A}">
-                    <a16:rowId xmlns:a16="http://schemas.microsoft.com/office/drawing/2014/main" val="10000"/>
-                  </a:ext>
-                </a:extLst>
-              </a:tr>
-              <a:tr h="5100320">
-                <a:tc>
-                  <a:txBody>
-                    <a:bodyPr/>
-                    <a:lstStyle/>
-                    <a:p>
-                      <a:pPr>
-                        <a:buNone/>
-                      </a:pPr>
-                      <a:r>
-                        <a:rPr lang="es-ES" altLang="en-US" sz="1400" dirty="0" err="1"/>
-                        <a:t>abstract</a:t>
-                      </a:r>
-                      <a:r>
-                        <a:rPr lang="es-ES" altLang="en-US" sz="1400" dirty="0"/>
-                        <a:t> </a:t>
-                      </a:r>
-                      <a:r>
-                        <a:rPr lang="es-ES" altLang="en-US" sz="1400" dirty="0" err="1"/>
-                        <a:t>class</a:t>
-                      </a:r>
-                      <a:r>
-                        <a:rPr lang="es-ES" altLang="en-US" sz="1400" dirty="0"/>
-                        <a:t> Animal{}</a:t>
-                      </a:r>
-                    </a:p>
-                    <a:p>
-                      <a:pPr>
-                        <a:buNone/>
-                      </a:pPr>
-                      <a:endParaRPr lang="es-ES" altLang="en-US" sz="1400" dirty="0"/>
-                    </a:p>
-                    <a:p>
-                      <a:pPr>
-                        <a:buNone/>
-                      </a:pPr>
-                      <a:r>
-                        <a:rPr lang="es-ES" altLang="en-US" sz="1400" dirty="0" err="1"/>
-                        <a:t>abstract</a:t>
-                      </a:r>
-                      <a:r>
-                        <a:rPr lang="es-ES" altLang="en-US" sz="1400" dirty="0"/>
-                        <a:t> </a:t>
-                      </a:r>
-                      <a:r>
-                        <a:rPr lang="es-ES" altLang="en-US" sz="1400" dirty="0" err="1"/>
-                        <a:t>class</a:t>
-                      </a:r>
-                      <a:r>
-                        <a:rPr lang="es-ES" altLang="en-US" sz="1400" dirty="0"/>
-                        <a:t> </a:t>
-                      </a:r>
-                      <a:r>
-                        <a:rPr lang="es-ES" altLang="en-US" sz="1400" dirty="0" err="1"/>
-                        <a:t>Mamifero</a:t>
-                      </a:r>
-                      <a:r>
-                        <a:rPr lang="es-ES" altLang="en-US" sz="1400" dirty="0"/>
-                        <a:t> </a:t>
-                      </a:r>
-                      <a:r>
-                        <a:rPr lang="es-ES" altLang="en-US" sz="1400" dirty="0" err="1"/>
-                        <a:t>extends</a:t>
-                      </a:r>
-                      <a:r>
-                        <a:rPr lang="es-ES" altLang="en-US" sz="1400" dirty="0"/>
-                        <a:t> Animal{ }</a:t>
-                      </a:r>
-                    </a:p>
-                    <a:p>
-                      <a:pPr>
-                        <a:buNone/>
-                      </a:pPr>
-                      <a:endParaRPr lang="es-ES" altLang="en-US" sz="1400" dirty="0"/>
-                    </a:p>
-                    <a:p>
-                      <a:pPr>
-                        <a:buNone/>
-                      </a:pPr>
-                      <a:r>
-                        <a:rPr lang="es-ES" altLang="en-US" sz="1400" dirty="0" err="1"/>
-                        <a:t>abstract</a:t>
-                      </a:r>
-                      <a:r>
-                        <a:rPr lang="es-ES" altLang="en-US" sz="1400" dirty="0"/>
-                        <a:t> </a:t>
-                      </a:r>
-                      <a:r>
-                        <a:rPr lang="es-ES" altLang="en-US" sz="1400" dirty="0" err="1"/>
-                        <a:t>class</a:t>
-                      </a:r>
-                      <a:r>
-                        <a:rPr lang="es-ES" altLang="en-US" sz="1400" dirty="0"/>
-                        <a:t> Ave </a:t>
-                      </a:r>
-                      <a:r>
-                        <a:rPr lang="es-ES" altLang="en-US" sz="1400" dirty="0" err="1"/>
-                        <a:t>extends</a:t>
-                      </a:r>
-                      <a:r>
-                        <a:rPr lang="es-ES" altLang="en-US" sz="1400" dirty="0"/>
-                        <a:t> Animal{}</a:t>
-                      </a:r>
-                    </a:p>
-                    <a:p>
-                      <a:pPr>
-                        <a:buNone/>
-                      </a:pPr>
-                      <a:endParaRPr lang="es-ES" altLang="en-US" sz="1400" dirty="0"/>
-                    </a:p>
-                    <a:p>
-                      <a:pPr>
-                        <a:buNone/>
-                      </a:pPr>
-                      <a:r>
-                        <a:rPr lang="es-ES" altLang="en-US" sz="1400" dirty="0" err="1"/>
-                        <a:t>abstract</a:t>
-                      </a:r>
-                      <a:r>
-                        <a:rPr lang="es-ES" altLang="en-US" sz="1400" dirty="0"/>
-                        <a:t> </a:t>
-                      </a:r>
-                      <a:r>
-                        <a:rPr lang="es-ES" altLang="en-US" sz="1400" dirty="0" err="1"/>
-                        <a:t>class</a:t>
-                      </a:r>
-                      <a:r>
-                        <a:rPr lang="es-ES" altLang="en-US" sz="1400" dirty="0"/>
-                        <a:t> Pez </a:t>
-                      </a:r>
-                      <a:r>
-                        <a:rPr lang="es-ES" altLang="en-US" sz="1400" dirty="0" err="1"/>
-                        <a:t>extends</a:t>
-                      </a:r>
-                      <a:r>
-                        <a:rPr lang="es-ES" altLang="en-US" sz="1400" dirty="0"/>
-                        <a:t> Animal{}</a:t>
-                      </a:r>
-                    </a:p>
-                    <a:p>
-                      <a:pPr>
-                        <a:buNone/>
-                      </a:pPr>
-                      <a:endParaRPr lang="es-ES" altLang="en-US" sz="1400" dirty="0"/>
-                    </a:p>
-                    <a:p>
-                      <a:pPr>
-                        <a:buNone/>
-                      </a:pPr>
-                      <a:r>
-                        <a:rPr lang="es-ES" altLang="en-US" sz="1400" dirty="0" err="1">
-                          <a:sym typeface="+mn-ea"/>
-                        </a:rPr>
-                        <a:t>abstract</a:t>
-                      </a:r>
-                      <a:r>
-                        <a:rPr lang="es-ES" altLang="en-US" sz="1400" dirty="0">
-                          <a:sym typeface="+mn-ea"/>
-                        </a:rPr>
-                        <a:t> </a:t>
-                      </a:r>
-                      <a:r>
-                        <a:rPr lang="es-ES" altLang="en-US" sz="1400" dirty="0" err="1">
-                          <a:sym typeface="+mn-ea"/>
-                        </a:rPr>
-                        <a:t>class</a:t>
-                      </a:r>
-                      <a:r>
-                        <a:rPr lang="es-ES" altLang="en-US" sz="1400" dirty="0">
-                          <a:sym typeface="+mn-ea"/>
-                        </a:rPr>
-                        <a:t> Volador{</a:t>
-                      </a:r>
-                      <a:endParaRPr lang="es-ES" altLang="en-US" sz="1400" dirty="0"/>
-                    </a:p>
-                    <a:p>
-                      <a:pPr>
-                        <a:buNone/>
-                      </a:pPr>
-                      <a:r>
-                        <a:rPr lang="es-ES" altLang="en-US" sz="1400" dirty="0">
-                          <a:sym typeface="+mn-ea"/>
-                        </a:rPr>
-                        <a:t>  </a:t>
-                      </a:r>
-                      <a:r>
-                        <a:rPr lang="es-ES" altLang="en-US" sz="1400" dirty="0" err="1">
-                          <a:sym typeface="+mn-ea"/>
-                        </a:rPr>
-                        <a:t>void</a:t>
-                      </a:r>
-                      <a:r>
-                        <a:rPr lang="es-ES" altLang="en-US" sz="1400" dirty="0">
-                          <a:sym typeface="+mn-ea"/>
-                        </a:rPr>
-                        <a:t> volar() =&gt; </a:t>
-                      </a:r>
-                      <a:r>
-                        <a:rPr lang="es-ES" altLang="en-US" sz="1400" dirty="0" err="1">
-                          <a:sym typeface="+mn-ea"/>
-                        </a:rPr>
-                        <a:t>print</a:t>
-                      </a:r>
-                      <a:r>
-                        <a:rPr lang="es-ES" altLang="en-US" sz="1400" dirty="0">
-                          <a:sym typeface="+mn-ea"/>
-                        </a:rPr>
-                        <a:t>('Estoy volando');</a:t>
-                      </a:r>
-                      <a:endParaRPr lang="es-ES" altLang="en-US" sz="1400" dirty="0"/>
-                    </a:p>
-                    <a:p>
-                      <a:pPr>
-                        <a:buNone/>
-                      </a:pPr>
-                      <a:r>
-                        <a:rPr lang="es-ES" altLang="en-US" sz="1400" dirty="0">
-                          <a:sym typeface="+mn-ea"/>
-                        </a:rPr>
-                        <a:t>}</a:t>
-                      </a:r>
-                      <a:endParaRPr lang="es-ES" altLang="en-US" sz="1400" dirty="0"/>
-                    </a:p>
-                    <a:p>
-                      <a:pPr>
-                        <a:buNone/>
-                      </a:pPr>
-                      <a:endParaRPr lang="es-ES" altLang="en-US" sz="1400" dirty="0"/>
-                    </a:p>
-                    <a:p>
-                      <a:pPr>
-                        <a:buNone/>
-                      </a:pPr>
-                      <a:r>
-                        <a:rPr lang="es-ES" altLang="en-US" sz="1400" dirty="0" err="1">
-                          <a:sym typeface="+mn-ea"/>
-                        </a:rPr>
-                        <a:t>abstract</a:t>
-                      </a:r>
-                      <a:r>
-                        <a:rPr lang="es-ES" altLang="en-US" sz="1400" dirty="0">
-                          <a:sym typeface="+mn-ea"/>
-                        </a:rPr>
-                        <a:t> </a:t>
-                      </a:r>
-                      <a:r>
-                        <a:rPr lang="es-ES" altLang="en-US" sz="1400" dirty="0" err="1">
-                          <a:sym typeface="+mn-ea"/>
-                        </a:rPr>
-                        <a:t>class</a:t>
-                      </a:r>
-                      <a:r>
-                        <a:rPr lang="es-ES" altLang="en-US" sz="1400" dirty="0">
-                          <a:sym typeface="+mn-ea"/>
-                        </a:rPr>
-                        <a:t> Caminante{</a:t>
-                      </a:r>
-                      <a:endParaRPr lang="es-ES" altLang="en-US" sz="1400" dirty="0"/>
-                    </a:p>
-                    <a:p>
-                      <a:pPr>
-                        <a:buNone/>
-                      </a:pPr>
-                      <a:r>
-                        <a:rPr lang="es-ES" altLang="en-US" sz="1400" dirty="0">
-                          <a:sym typeface="+mn-ea"/>
-                        </a:rPr>
-                        <a:t>  </a:t>
-                      </a:r>
-                      <a:r>
-                        <a:rPr lang="es-ES" altLang="en-US" sz="1400" dirty="0" err="1">
-                          <a:sym typeface="+mn-ea"/>
-                        </a:rPr>
-                        <a:t>void</a:t>
-                      </a:r>
-                      <a:r>
-                        <a:rPr lang="es-ES" altLang="en-US" sz="1400" dirty="0">
-                          <a:sym typeface="+mn-ea"/>
-                        </a:rPr>
-                        <a:t> caminar() =&gt; </a:t>
-                      </a:r>
-                      <a:r>
-                        <a:rPr lang="es-ES" altLang="en-US" sz="1400" dirty="0" err="1">
-                          <a:sym typeface="+mn-ea"/>
-                        </a:rPr>
-                        <a:t>print</a:t>
-                      </a:r>
-                      <a:r>
-                        <a:rPr lang="es-ES" altLang="en-US" sz="1400" dirty="0">
-                          <a:sym typeface="+mn-ea"/>
-                        </a:rPr>
-                        <a:t>('Estoy caminando');</a:t>
-                      </a:r>
-                      <a:endParaRPr lang="es-ES" altLang="en-US" sz="1400" dirty="0"/>
-                    </a:p>
-                    <a:p>
-                      <a:pPr>
-                        <a:buNone/>
-                      </a:pPr>
-                      <a:r>
-                        <a:rPr lang="es-ES" altLang="en-US" sz="1400" dirty="0">
-                          <a:sym typeface="+mn-ea"/>
-                        </a:rPr>
-                        <a:t>}</a:t>
-                      </a:r>
-                      <a:endParaRPr lang="es-ES" altLang="en-US" sz="1400" dirty="0"/>
-                    </a:p>
-                    <a:p>
-                      <a:pPr>
-                        <a:buNone/>
-                      </a:pPr>
-                      <a:endParaRPr lang="es-ES" altLang="en-US" sz="1400" dirty="0"/>
-                    </a:p>
-                    <a:p>
-                      <a:pPr>
-                        <a:buNone/>
-                      </a:pPr>
-                      <a:r>
-                        <a:rPr lang="es-ES" altLang="en-US" sz="1400" dirty="0" err="1">
-                          <a:sym typeface="+mn-ea"/>
-                        </a:rPr>
-                        <a:t>abstract</a:t>
-                      </a:r>
-                      <a:r>
-                        <a:rPr lang="es-ES" altLang="en-US" sz="1400" dirty="0">
-                          <a:sym typeface="+mn-ea"/>
-                        </a:rPr>
-                        <a:t> </a:t>
-                      </a:r>
-                      <a:r>
-                        <a:rPr lang="es-ES" altLang="en-US" sz="1400" dirty="0" err="1">
-                          <a:sym typeface="+mn-ea"/>
-                        </a:rPr>
-                        <a:t>class</a:t>
-                      </a:r>
-                      <a:r>
-                        <a:rPr lang="es-ES" altLang="en-US" sz="1400" dirty="0">
-                          <a:sym typeface="+mn-ea"/>
-                        </a:rPr>
-                        <a:t> Nadador{</a:t>
-                      </a:r>
-                      <a:endParaRPr lang="es-ES" altLang="en-US" sz="1400" dirty="0"/>
-                    </a:p>
-                    <a:p>
-                      <a:pPr>
-                        <a:buNone/>
-                      </a:pPr>
-                      <a:r>
-                        <a:rPr lang="es-ES" altLang="en-US" sz="1400" dirty="0">
-                          <a:sym typeface="+mn-ea"/>
-                        </a:rPr>
-                        <a:t>  </a:t>
-                      </a:r>
-                      <a:r>
-                        <a:rPr lang="es-ES" altLang="en-US" sz="1400" dirty="0" err="1">
-                          <a:sym typeface="+mn-ea"/>
-                        </a:rPr>
-                        <a:t>void</a:t>
-                      </a:r>
-                      <a:r>
-                        <a:rPr lang="es-ES" altLang="en-US" sz="1400" dirty="0">
-                          <a:sym typeface="+mn-ea"/>
-                        </a:rPr>
-                        <a:t> nadar() =&gt; </a:t>
-                      </a:r>
-                      <a:r>
-                        <a:rPr lang="es-ES" altLang="en-US" sz="1400" dirty="0" err="1">
-                          <a:sym typeface="+mn-ea"/>
-                        </a:rPr>
-                        <a:t>print</a:t>
-                      </a:r>
-                      <a:r>
-                        <a:rPr lang="es-ES" altLang="en-US" sz="1400" dirty="0">
-                          <a:sym typeface="+mn-ea"/>
-                        </a:rPr>
-                        <a:t>('Estoy nadando');</a:t>
-                      </a:r>
-                      <a:endParaRPr lang="es-ES" altLang="en-US" sz="1400" dirty="0"/>
-                    </a:p>
-                    <a:p>
-                      <a:pPr>
-                        <a:buNone/>
-                      </a:pPr>
-                      <a:r>
-                        <a:rPr lang="es-ES" altLang="en-US" sz="1400" dirty="0">
-                          <a:sym typeface="+mn-ea"/>
-                        </a:rPr>
-                        <a:t>}</a:t>
-                      </a:r>
-                      <a:endParaRPr lang="es-ES" altLang="en-US" sz="1400" dirty="0"/>
-                    </a:p>
-                    <a:p>
-                      <a:pPr>
-                        <a:buNone/>
-                      </a:pPr>
-                      <a:endParaRPr lang="es-ES" altLang="en-US" sz="1400" dirty="0"/>
-                    </a:p>
-                  </a:txBody>
-                  <a:tcPr/>
-                </a:tc>
-                <a:tc>
-                  <a:txBody>
-                    <a:bodyPr/>
-                    <a:lstStyle/>
-                    <a:p>
-                      <a:pPr>
-                        <a:buNone/>
-                      </a:pPr>
-                      <a:endParaRPr lang="es-ES" altLang="en-US" sz="1400" dirty="0"/>
-                    </a:p>
-                    <a:p>
-                      <a:pPr>
-                        <a:buNone/>
-                      </a:pPr>
-                      <a:r>
-                        <a:rPr lang="es-ES" altLang="en-US" sz="1400" dirty="0" err="1">
-                          <a:sym typeface="+mn-ea"/>
-                        </a:rPr>
-                        <a:t>class</a:t>
-                      </a:r>
-                      <a:r>
-                        <a:rPr lang="es-ES" altLang="en-US" sz="1400" dirty="0">
-                          <a:sym typeface="+mn-ea"/>
-                        </a:rPr>
-                        <a:t> </a:t>
-                      </a:r>
-                      <a:r>
-                        <a:rPr lang="es-ES" altLang="en-US" sz="1400" dirty="0" err="1">
-                          <a:sym typeface="+mn-ea"/>
-                        </a:rPr>
-                        <a:t>Delfin</a:t>
-                      </a:r>
-                      <a:r>
-                        <a:rPr lang="es-ES" altLang="en-US" sz="1400" dirty="0">
-                          <a:sym typeface="+mn-ea"/>
-                        </a:rPr>
-                        <a:t> </a:t>
-                      </a:r>
-                      <a:r>
-                        <a:rPr lang="es-ES" altLang="en-US" sz="1400" dirty="0" err="1">
-                          <a:sym typeface="+mn-ea"/>
-                        </a:rPr>
-                        <a:t>extends</a:t>
-                      </a:r>
-                      <a:r>
-                        <a:rPr lang="es-ES" altLang="en-US" sz="1400" dirty="0">
-                          <a:sym typeface="+mn-ea"/>
-                        </a:rPr>
-                        <a:t> </a:t>
-                      </a:r>
-                      <a:r>
-                        <a:rPr lang="es-ES" altLang="en-US" sz="1400" dirty="0" err="1">
-                          <a:sym typeface="+mn-ea"/>
-                        </a:rPr>
-                        <a:t>Mamifero</a:t>
-                      </a:r>
-                      <a:r>
-                        <a:rPr lang="es-ES" altLang="en-US" sz="1400" dirty="0">
-                          <a:sym typeface="+mn-ea"/>
-                        </a:rPr>
-                        <a:t> </a:t>
-                      </a:r>
-                      <a:r>
-                        <a:rPr lang="es-ES" altLang="en-US" sz="1400" dirty="0" err="1">
-                          <a:sym typeface="+mn-ea"/>
-                        </a:rPr>
-                        <a:t>with</a:t>
-                      </a:r>
-                      <a:r>
-                        <a:rPr lang="es-ES" altLang="en-US" sz="1400" dirty="0">
-                          <a:sym typeface="+mn-ea"/>
-                        </a:rPr>
-                        <a:t> Nadador{}</a:t>
-                      </a:r>
-                      <a:endParaRPr lang="es-ES" altLang="en-US" sz="1400" dirty="0"/>
-                    </a:p>
-                    <a:p>
-                      <a:pPr>
-                        <a:buNone/>
-                      </a:pPr>
-                      <a:r>
-                        <a:rPr lang="es-ES" altLang="en-US" sz="1400" dirty="0" err="1">
-                          <a:sym typeface="+mn-ea"/>
-                        </a:rPr>
-                        <a:t>class</a:t>
-                      </a:r>
-                      <a:r>
-                        <a:rPr lang="es-ES" altLang="en-US" sz="1400" dirty="0">
-                          <a:sym typeface="+mn-ea"/>
-                        </a:rPr>
-                        <a:t> </a:t>
-                      </a:r>
-                      <a:r>
-                        <a:rPr lang="es-ES" altLang="en-US" sz="1400" dirty="0" err="1">
-                          <a:sym typeface="+mn-ea"/>
-                        </a:rPr>
-                        <a:t>Murcielago</a:t>
-                      </a:r>
-                      <a:r>
-                        <a:rPr lang="es-ES" altLang="en-US" sz="1400" dirty="0">
-                          <a:sym typeface="+mn-ea"/>
-                        </a:rPr>
-                        <a:t> </a:t>
-                      </a:r>
-                      <a:r>
-                        <a:rPr lang="es-ES" altLang="en-US" sz="1400" dirty="0" err="1">
-                          <a:sym typeface="+mn-ea"/>
-                        </a:rPr>
-                        <a:t>extends</a:t>
-                      </a:r>
-                      <a:r>
-                        <a:rPr lang="es-ES" altLang="en-US" sz="1400" dirty="0">
-                          <a:sym typeface="+mn-ea"/>
-                        </a:rPr>
-                        <a:t> </a:t>
-                      </a:r>
-                      <a:r>
-                        <a:rPr lang="es-ES" altLang="en-US" sz="1400" dirty="0" err="1">
-                          <a:sym typeface="+mn-ea"/>
-                        </a:rPr>
-                        <a:t>Mamifero</a:t>
-                      </a:r>
-                      <a:r>
-                        <a:rPr lang="es-ES" altLang="en-US" sz="1400" dirty="0">
-                          <a:sym typeface="+mn-ea"/>
-                        </a:rPr>
-                        <a:t> </a:t>
-                      </a:r>
-                      <a:r>
-                        <a:rPr lang="es-ES" altLang="en-US" sz="1400" dirty="0" err="1">
-                          <a:sym typeface="+mn-ea"/>
-                        </a:rPr>
-                        <a:t>with</a:t>
-                      </a:r>
-                      <a:r>
-                        <a:rPr lang="es-ES" altLang="en-US" sz="1400" dirty="0">
-                          <a:sym typeface="+mn-ea"/>
-                        </a:rPr>
-                        <a:t> </a:t>
-                      </a:r>
-                      <a:r>
-                        <a:rPr lang="es-ES" altLang="en-US" sz="1400" dirty="0" err="1">
-                          <a:sym typeface="+mn-ea"/>
-                        </a:rPr>
-                        <a:t>Volador,Caminante</a:t>
-                      </a:r>
-                      <a:r>
-                        <a:rPr lang="es-ES" altLang="en-US" sz="1400" dirty="0">
-                          <a:sym typeface="+mn-ea"/>
-                        </a:rPr>
-                        <a:t> {}</a:t>
-                      </a:r>
-                      <a:endParaRPr lang="es-ES" altLang="en-US" sz="1400" dirty="0"/>
-                    </a:p>
-                    <a:p>
-                      <a:pPr>
-                        <a:buNone/>
-                      </a:pPr>
-                      <a:r>
-                        <a:rPr lang="es-ES" altLang="en-US" sz="1400" dirty="0" err="1">
-                          <a:sym typeface="+mn-ea"/>
-                        </a:rPr>
-                        <a:t>class</a:t>
-                      </a:r>
-                      <a:r>
-                        <a:rPr lang="es-ES" altLang="en-US" sz="1400" dirty="0">
-                          <a:sym typeface="+mn-ea"/>
-                        </a:rPr>
-                        <a:t> Gato </a:t>
-                      </a:r>
-                      <a:r>
-                        <a:rPr lang="es-ES" altLang="en-US" sz="1400" dirty="0" err="1">
-                          <a:sym typeface="+mn-ea"/>
-                        </a:rPr>
-                        <a:t>extends</a:t>
-                      </a:r>
-                      <a:r>
-                        <a:rPr lang="es-ES" altLang="en-US" sz="1400" dirty="0">
-                          <a:sym typeface="+mn-ea"/>
-                        </a:rPr>
-                        <a:t> </a:t>
-                      </a:r>
-                      <a:r>
-                        <a:rPr lang="es-ES" altLang="en-US" sz="1400" dirty="0" err="1">
-                          <a:sym typeface="+mn-ea"/>
-                        </a:rPr>
-                        <a:t>Mamifero</a:t>
-                      </a:r>
-                      <a:r>
-                        <a:rPr lang="es-ES" altLang="en-US" sz="1400" dirty="0">
-                          <a:sym typeface="+mn-ea"/>
-                        </a:rPr>
-                        <a:t> </a:t>
-                      </a:r>
-                      <a:r>
-                        <a:rPr lang="es-ES" altLang="en-US" sz="1400" dirty="0" err="1">
-                          <a:sym typeface="+mn-ea"/>
-                        </a:rPr>
-                        <a:t>with</a:t>
-                      </a:r>
-                      <a:r>
-                        <a:rPr lang="es-ES" altLang="en-US" sz="1400" dirty="0">
-                          <a:sym typeface="+mn-ea"/>
-                        </a:rPr>
-                        <a:t> Caminante {}</a:t>
-                      </a:r>
-                      <a:endParaRPr lang="es-ES" altLang="en-US" sz="1400" dirty="0"/>
-                    </a:p>
-                    <a:p>
-                      <a:pPr>
-                        <a:buNone/>
-                      </a:pPr>
-                      <a:r>
-                        <a:rPr lang="es-ES" altLang="en-US" sz="1400" dirty="0" err="1">
-                          <a:sym typeface="+mn-ea"/>
-                        </a:rPr>
-                        <a:t>class</a:t>
-                      </a:r>
-                      <a:r>
-                        <a:rPr lang="es-ES" altLang="en-US" sz="1400" dirty="0">
-                          <a:sym typeface="+mn-ea"/>
-                        </a:rPr>
-                        <a:t> Paloma </a:t>
-                      </a:r>
-                      <a:r>
-                        <a:rPr lang="es-ES" altLang="en-US" sz="1400" dirty="0" err="1">
-                          <a:sym typeface="+mn-ea"/>
-                        </a:rPr>
-                        <a:t>extends</a:t>
-                      </a:r>
-                      <a:r>
-                        <a:rPr lang="es-ES" altLang="en-US" sz="1400" dirty="0">
-                          <a:sym typeface="+mn-ea"/>
-                        </a:rPr>
-                        <a:t> Ave </a:t>
-                      </a:r>
-                      <a:r>
-                        <a:rPr lang="es-ES" altLang="en-US" sz="1400" dirty="0" err="1">
-                          <a:sym typeface="+mn-ea"/>
-                        </a:rPr>
-                        <a:t>with</a:t>
-                      </a:r>
-                      <a:r>
-                        <a:rPr lang="es-ES" altLang="en-US" sz="1400" dirty="0">
-                          <a:sym typeface="+mn-ea"/>
-                        </a:rPr>
-                        <a:t> Caminante, Volador {}</a:t>
-                      </a:r>
-                      <a:endParaRPr lang="es-ES" altLang="en-US" sz="1400" dirty="0"/>
-                    </a:p>
-                    <a:p>
-                      <a:pPr>
-                        <a:buNone/>
-                      </a:pPr>
-                      <a:r>
-                        <a:rPr lang="es-ES" altLang="en-US" sz="1400" dirty="0" err="1">
-                          <a:sym typeface="+mn-ea"/>
-                        </a:rPr>
-                        <a:t>class</a:t>
-                      </a:r>
-                      <a:r>
-                        <a:rPr lang="es-ES" altLang="en-US" sz="1400" dirty="0">
-                          <a:sym typeface="+mn-ea"/>
-                        </a:rPr>
-                        <a:t> Pato </a:t>
-                      </a:r>
-                      <a:r>
-                        <a:rPr lang="es-ES" altLang="en-US" sz="1400" dirty="0" err="1">
-                          <a:sym typeface="+mn-ea"/>
-                        </a:rPr>
-                        <a:t>extends</a:t>
-                      </a:r>
-                      <a:r>
-                        <a:rPr lang="es-ES" altLang="en-US" sz="1400" dirty="0">
-                          <a:sym typeface="+mn-ea"/>
-                        </a:rPr>
-                        <a:t> Ave </a:t>
-                      </a:r>
-                      <a:r>
-                        <a:rPr lang="es-ES" altLang="en-US" sz="1400" dirty="0" err="1">
-                          <a:sym typeface="+mn-ea"/>
-                        </a:rPr>
-                        <a:t>with</a:t>
-                      </a:r>
-                      <a:r>
-                        <a:rPr lang="es-ES" altLang="en-US" sz="1400" dirty="0">
-                          <a:sym typeface="+mn-ea"/>
-                        </a:rPr>
-                        <a:t> Caminante, </a:t>
-                      </a:r>
-                      <a:r>
-                        <a:rPr lang="es-ES" altLang="en-US" sz="1400" dirty="0" err="1">
-                          <a:sym typeface="+mn-ea"/>
-                        </a:rPr>
-                        <a:t>Volador,Nadador</a:t>
-                      </a:r>
-                      <a:r>
-                        <a:rPr lang="es-ES" altLang="en-US" sz="1400" dirty="0">
-                          <a:sym typeface="+mn-ea"/>
-                        </a:rPr>
-                        <a:t> {}</a:t>
-                      </a:r>
-                      <a:endParaRPr lang="es-ES" altLang="en-US" sz="1400" dirty="0"/>
-                    </a:p>
-                    <a:p>
-                      <a:pPr>
-                        <a:buNone/>
-                      </a:pPr>
-                      <a:r>
-                        <a:rPr lang="es-ES" altLang="en-US" sz="1400" dirty="0" err="1">
-                          <a:sym typeface="+mn-ea"/>
-                        </a:rPr>
-                        <a:t>class</a:t>
-                      </a:r>
-                      <a:r>
-                        <a:rPr lang="es-ES" altLang="en-US" sz="1400" dirty="0">
-                          <a:sym typeface="+mn-ea"/>
-                        </a:rPr>
-                        <a:t> </a:t>
-                      </a:r>
-                      <a:r>
-                        <a:rPr lang="es-ES" altLang="en-US" sz="1400" dirty="0" err="1">
-                          <a:sym typeface="+mn-ea"/>
-                        </a:rPr>
-                        <a:t>Tiburon</a:t>
-                      </a:r>
-                      <a:r>
-                        <a:rPr lang="es-ES" altLang="en-US" sz="1400" dirty="0">
-                          <a:sym typeface="+mn-ea"/>
-                        </a:rPr>
-                        <a:t> </a:t>
-                      </a:r>
-                      <a:r>
-                        <a:rPr lang="es-ES" altLang="en-US" sz="1400" dirty="0" err="1">
-                          <a:sym typeface="+mn-ea"/>
-                        </a:rPr>
-                        <a:t>extends</a:t>
-                      </a:r>
-                      <a:r>
-                        <a:rPr lang="es-ES" altLang="en-US" sz="1400" dirty="0">
-                          <a:sym typeface="+mn-ea"/>
-                        </a:rPr>
-                        <a:t> Pez </a:t>
-                      </a:r>
-                      <a:r>
-                        <a:rPr lang="es-ES" altLang="en-US" sz="1400" dirty="0" err="1">
-                          <a:sym typeface="+mn-ea"/>
-                        </a:rPr>
-                        <a:t>with</a:t>
-                      </a:r>
-                      <a:r>
-                        <a:rPr lang="es-ES" altLang="en-US" sz="1400" dirty="0">
-                          <a:sym typeface="+mn-ea"/>
-                        </a:rPr>
-                        <a:t> Nadador {}</a:t>
-                      </a:r>
-                      <a:endParaRPr lang="es-ES" altLang="en-US" sz="1400" dirty="0"/>
-                    </a:p>
-                    <a:p>
-                      <a:pPr>
-                        <a:buNone/>
-                      </a:pPr>
-                      <a:r>
-                        <a:rPr lang="es-ES" altLang="en-US" sz="1400" dirty="0" err="1">
-                          <a:sym typeface="+mn-ea"/>
-                        </a:rPr>
-                        <a:t>class</a:t>
-                      </a:r>
-                      <a:r>
-                        <a:rPr lang="es-ES" altLang="en-US" sz="1400" dirty="0">
-                          <a:sym typeface="+mn-ea"/>
-                        </a:rPr>
-                        <a:t> </a:t>
-                      </a:r>
-                      <a:r>
-                        <a:rPr lang="es-ES" altLang="en-US" sz="1400" dirty="0" err="1">
-                          <a:sym typeface="+mn-ea"/>
-                        </a:rPr>
-                        <a:t>PezVolador</a:t>
-                      </a:r>
-                      <a:r>
-                        <a:rPr lang="es-ES" altLang="en-US" sz="1400" dirty="0">
-                          <a:sym typeface="+mn-ea"/>
-                        </a:rPr>
-                        <a:t> </a:t>
-                      </a:r>
-                      <a:r>
-                        <a:rPr lang="es-ES" altLang="en-US" sz="1400" dirty="0" err="1">
-                          <a:sym typeface="+mn-ea"/>
-                        </a:rPr>
-                        <a:t>extends</a:t>
-                      </a:r>
-                      <a:r>
-                        <a:rPr lang="es-ES" altLang="en-US" sz="1400" dirty="0">
-                          <a:sym typeface="+mn-ea"/>
-                        </a:rPr>
-                        <a:t> Pez </a:t>
-                      </a:r>
-                      <a:r>
-                        <a:rPr lang="es-ES" altLang="en-US" sz="1400" dirty="0" err="1">
-                          <a:sym typeface="+mn-ea"/>
-                        </a:rPr>
-                        <a:t>with</a:t>
-                      </a:r>
-                      <a:r>
-                        <a:rPr lang="es-ES" altLang="en-US" sz="1400" dirty="0">
-                          <a:sym typeface="+mn-ea"/>
-                        </a:rPr>
-                        <a:t> Nadador, Volador {}</a:t>
-                      </a:r>
-                      <a:endParaRPr lang="es-ES" altLang="en-US" sz="1400" dirty="0"/>
-                    </a:p>
-                    <a:p>
-                      <a:pPr>
-                        <a:buNone/>
-                      </a:pPr>
-                      <a:endParaRPr lang="es-ES" altLang="en-US" sz="1400" dirty="0"/>
-                    </a:p>
-                    <a:p>
-                      <a:pPr>
-                        <a:buNone/>
-                      </a:pPr>
-                      <a:endParaRPr lang="es-ES" altLang="en-US" sz="1400" dirty="0"/>
-                    </a:p>
-                    <a:p>
-                      <a:pPr>
-                        <a:buNone/>
-                      </a:pPr>
-                      <a:r>
-                        <a:rPr lang="es-ES" altLang="en-US" sz="1400" dirty="0" err="1">
-                          <a:sym typeface="+mn-ea"/>
-                        </a:rPr>
-                        <a:t>void</a:t>
-                      </a:r>
-                      <a:r>
-                        <a:rPr lang="es-ES" altLang="en-US" sz="1400" dirty="0">
-                          <a:sym typeface="+mn-ea"/>
-                        </a:rPr>
-                        <a:t> </a:t>
-                      </a:r>
-                      <a:r>
-                        <a:rPr lang="es-ES" altLang="en-US" sz="1400" dirty="0" err="1">
-                          <a:sym typeface="+mn-ea"/>
-                        </a:rPr>
-                        <a:t>main</a:t>
-                      </a:r>
-                      <a:r>
-                        <a:rPr lang="es-ES" altLang="en-US" sz="1400" dirty="0">
-                          <a:sym typeface="+mn-ea"/>
-                        </a:rPr>
-                        <a:t>(){</a:t>
-                      </a:r>
-                      <a:endParaRPr lang="es-ES" altLang="en-US" sz="1400" dirty="0"/>
-                    </a:p>
-                    <a:p>
-                      <a:pPr>
-                        <a:buNone/>
-                      </a:pPr>
-                      <a:r>
-                        <a:rPr lang="es-ES" altLang="en-US" sz="1400" dirty="0">
-                          <a:sym typeface="+mn-ea"/>
-                        </a:rPr>
-                        <a:t>  /* final </a:t>
-                      </a:r>
-                      <a:r>
-                        <a:rPr lang="es-ES" altLang="en-US" sz="1400" dirty="0" err="1">
-                          <a:sym typeface="+mn-ea"/>
-                        </a:rPr>
-                        <a:t>flipper</a:t>
-                      </a:r>
-                      <a:r>
-                        <a:rPr lang="es-ES" altLang="en-US" sz="1400" dirty="0">
-                          <a:sym typeface="+mn-ea"/>
-                        </a:rPr>
-                        <a:t> = </a:t>
-                      </a:r>
-                      <a:r>
-                        <a:rPr lang="es-ES" altLang="en-US" sz="1400" dirty="0" err="1">
-                          <a:sym typeface="+mn-ea"/>
-                        </a:rPr>
-                        <a:t>Delfin</a:t>
-                      </a:r>
-                      <a:r>
-                        <a:rPr lang="es-ES" altLang="en-US" sz="1400" dirty="0">
-                          <a:sym typeface="+mn-ea"/>
-                        </a:rPr>
-                        <a:t>();</a:t>
-                      </a:r>
-                      <a:endParaRPr lang="es-ES" altLang="en-US" sz="1400" dirty="0"/>
-                    </a:p>
-                    <a:p>
-                      <a:pPr>
-                        <a:buNone/>
-                      </a:pPr>
-                      <a:r>
-                        <a:rPr lang="es-ES" altLang="en-US" sz="1400" dirty="0">
-                          <a:sym typeface="+mn-ea"/>
-                        </a:rPr>
-                        <a:t>  </a:t>
-                      </a:r>
-                      <a:endParaRPr lang="es-ES" altLang="en-US" sz="1400" dirty="0"/>
-                    </a:p>
-                    <a:p>
-                      <a:pPr>
-                        <a:buNone/>
-                      </a:pPr>
-                      <a:r>
-                        <a:rPr lang="es-ES" altLang="en-US" sz="1400" dirty="0">
-                          <a:sym typeface="+mn-ea"/>
-                        </a:rPr>
-                        <a:t>  </a:t>
-                      </a:r>
-                      <a:r>
-                        <a:rPr lang="es-ES" altLang="en-US" sz="1400" dirty="0" err="1">
-                          <a:sym typeface="+mn-ea"/>
-                        </a:rPr>
-                        <a:t>flipper.nadar</a:t>
-                      </a:r>
-                      <a:r>
-                        <a:rPr lang="es-ES" altLang="en-US" sz="1400" dirty="0">
-                          <a:sym typeface="+mn-ea"/>
-                        </a:rPr>
-                        <a:t>();</a:t>
-                      </a:r>
-                      <a:endParaRPr lang="es-ES" altLang="en-US" sz="1400" dirty="0"/>
-                    </a:p>
-                    <a:p>
-                      <a:pPr>
-                        <a:buNone/>
-                      </a:pPr>
-                      <a:r>
-                        <a:rPr lang="es-ES" altLang="en-US" sz="1400" dirty="0">
-                          <a:sym typeface="+mn-ea"/>
-                        </a:rPr>
-                        <a:t>  */</a:t>
-                      </a:r>
-                      <a:endParaRPr lang="es-ES" altLang="en-US" sz="1400" dirty="0"/>
-                    </a:p>
-                    <a:p>
-                      <a:pPr>
-                        <a:buNone/>
-                      </a:pPr>
-                      <a:r>
-                        <a:rPr lang="es-ES" altLang="en-US" sz="1400" dirty="0">
-                          <a:sym typeface="+mn-ea"/>
-                        </a:rPr>
-                        <a:t>  final </a:t>
-                      </a:r>
-                      <a:r>
-                        <a:rPr lang="es-ES" altLang="en-US" sz="1400" dirty="0" err="1">
-                          <a:sym typeface="+mn-ea"/>
-                        </a:rPr>
-                        <a:t>batman</a:t>
-                      </a:r>
-                      <a:r>
-                        <a:rPr lang="es-ES" altLang="en-US" sz="1400" dirty="0">
-                          <a:sym typeface="+mn-ea"/>
-                        </a:rPr>
-                        <a:t> = </a:t>
-                      </a:r>
-                      <a:r>
-                        <a:rPr lang="es-ES" altLang="en-US" sz="1400" dirty="0" err="1">
-                          <a:sym typeface="+mn-ea"/>
-                        </a:rPr>
-                        <a:t>Murcielago</a:t>
-                      </a:r>
-                      <a:r>
-                        <a:rPr lang="es-ES" altLang="en-US" sz="1400" dirty="0">
-                          <a:sym typeface="+mn-ea"/>
-                        </a:rPr>
-                        <a:t>();</a:t>
-                      </a:r>
-                      <a:endParaRPr lang="es-ES" altLang="en-US" sz="1400" dirty="0"/>
-                    </a:p>
-                    <a:p>
-                      <a:pPr>
-                        <a:buNone/>
-                      </a:pPr>
-                      <a:r>
-                        <a:rPr lang="es-ES" altLang="en-US" sz="1400" dirty="0">
-                          <a:sym typeface="+mn-ea"/>
-                        </a:rPr>
-                        <a:t>  </a:t>
-                      </a:r>
-                      <a:r>
-                        <a:rPr lang="es-ES" altLang="en-US" sz="1400" dirty="0" err="1">
-                          <a:sym typeface="+mn-ea"/>
-                        </a:rPr>
-                        <a:t>batman.caminar</a:t>
-                      </a:r>
-                      <a:r>
-                        <a:rPr lang="es-ES" altLang="en-US" sz="1400" dirty="0">
-                          <a:sym typeface="+mn-ea"/>
-                        </a:rPr>
-                        <a:t>();</a:t>
-                      </a:r>
-                      <a:endParaRPr lang="es-ES" altLang="en-US" sz="1400" dirty="0"/>
-                    </a:p>
-                    <a:p>
-                      <a:pPr>
-                        <a:buNone/>
-                      </a:pPr>
-                      <a:r>
-                        <a:rPr lang="es-ES" altLang="en-US" sz="1400" dirty="0">
-                          <a:sym typeface="+mn-ea"/>
-                        </a:rPr>
-                        <a:t>  </a:t>
-                      </a:r>
-                      <a:r>
-                        <a:rPr lang="es-ES" altLang="en-US" sz="1400" dirty="0" err="1">
-                          <a:sym typeface="+mn-ea"/>
-                        </a:rPr>
-                        <a:t>batman.volar</a:t>
-                      </a:r>
-                      <a:r>
-                        <a:rPr lang="es-ES" altLang="en-US" sz="1400" dirty="0">
-                          <a:sym typeface="+mn-ea"/>
-                        </a:rPr>
-                        <a:t>();</a:t>
-                      </a:r>
-                      <a:endParaRPr lang="es-ES" altLang="en-US" sz="1400" dirty="0"/>
-                    </a:p>
-                    <a:p>
-                      <a:pPr>
-                        <a:buNone/>
-                      </a:pPr>
-                      <a:r>
-                        <a:rPr lang="es-ES" altLang="en-US" sz="1400" dirty="0">
-                          <a:sym typeface="+mn-ea"/>
-                        </a:rPr>
-                        <a:t>}</a:t>
-                      </a:r>
-                      <a:endParaRPr lang="es-ES" altLang="en-US" sz="1400" dirty="0"/>
-                    </a:p>
-                  </a:txBody>
-                  <a:tcPr/>
-                </a:tc>
-                <a:extLst>
-                  <a:ext uri="{0D108BD9-81ED-4DB2-BD59-A6C34878D82A}">
-                    <a16:rowId xmlns:a16="http://schemas.microsoft.com/office/drawing/2014/main" val="10001"/>
-                  </a:ext>
-                </a:extLst>
-              </a:tr>
-            </a:tbl>
-          </a:graphicData>
-        </a:graphic>
-      </p:graphicFrame>
-      <p:sp>
-        <p:nvSpPr>
-          <p:cNvPr id="4" name="Cuadro de texto 3"/>
-          <p:cNvSpPr txBox="1"/>
-          <p:nvPr/>
-        </p:nvSpPr>
-        <p:spPr>
-          <a:xfrm>
-            <a:off x="-611505" y="2160905"/>
-            <a:ext cx="309880" cy="368300"/>
-          </a:xfrm>
-          <a:prstGeom prst="rect">
-            <a:avLst/>
-          </a:prstGeom>
-          <a:noFill/>
-        </p:spPr>
-        <p:txBody>
-          <a:bodyPr wrap="none" rtlCol="0">
-            <a:spAutoFit/>
-          </a:bodyPr>
-          <a:lstStyle/>
-          <a:p>
-            <a:endParaRPr lang="es-ES" altLang="en-US"/>
-          </a:p>
-        </p:txBody>
-      </p:sp>
-      <p:sp>
-        <p:nvSpPr>
-          <p:cNvPr id="3" name="Cuadro de texto 2"/>
-          <p:cNvSpPr txBox="1"/>
-          <p:nvPr/>
-        </p:nvSpPr>
-        <p:spPr>
-          <a:xfrm>
-            <a:off x="10674985" y="3144520"/>
-            <a:ext cx="1097280" cy="368300"/>
-          </a:xfrm>
-          <a:prstGeom prst="rect">
-            <a:avLst/>
-          </a:prstGeom>
-          <a:noFill/>
-        </p:spPr>
-        <p:txBody>
-          <a:bodyPr wrap="none" rtlCol="0">
-            <a:spAutoFit/>
-          </a:bodyPr>
-          <a:lstStyle/>
-          <a:p>
-            <a:r>
-              <a:rPr lang="es-ES" altLang="en-US"/>
-              <a:t>	</a:t>
-            </a:r>
-          </a:p>
-        </p:txBody>
-      </p:sp>
-      <p:sp>
-        <p:nvSpPr>
-          <p:cNvPr id="6" name="Flecha derecha 5"/>
-          <p:cNvSpPr/>
-          <p:nvPr/>
-        </p:nvSpPr>
-        <p:spPr>
-          <a:xfrm>
-            <a:off x="4586922" y="5699584"/>
-            <a:ext cx="3018155" cy="452755"/>
-          </a:xfrm>
-          <a:prstGeom prst="rightArrow">
-            <a:avLst/>
-          </a:prstGeom>
-          <a:gradFill rotWithShape="0">
-            <a:gsLst>
-              <a:gs pos="0">
-                <a:schemeClr val="accent1"/>
-              </a:gs>
-              <a:gs pos="100000">
-                <a:schemeClr val="accent2"/>
-              </a:gs>
-            </a:gsLst>
-            <a:lin ang="5400000" scaled="1"/>
-          </a:gradFill>
-          <a:ln w="9525" cap="flat" cmpd="sng" algn="ctr">
-            <a:solidFill>
-              <a:schemeClr val="accent1"/>
-            </a:solidFill>
-            <a:prstDash val="solid"/>
-            <a:round/>
-            <a:headEnd type="none" w="med" len="med"/>
-            <a:tailEnd type="none" w="med" len="med"/>
-          </a:ln>
-        </p:spPr>
-        <p:txBody>
-          <a:bodyPr vert="horz" wrap="none" lIns="91440" tIns="45720" rIns="91440" bIns="45720" numCol="1" anchor="ctr" anchorCtr="0" compatLnSpc="1"/>
-          <a:lstStyle/>
-          <a:p>
-            <a:pPr marL="0" marR="0" indent="0" algn="l" defTabSz="914400" rtl="0" eaLnBrk="1" fontAlgn="base" latinLnBrk="0" hangingPunct="1">
-              <a:lnSpc>
-                <a:spcPct val="100000"/>
-              </a:lnSpc>
-              <a:spcBef>
-                <a:spcPct val="0"/>
-              </a:spcBef>
-              <a:spcAft>
-                <a:spcPct val="0"/>
-              </a:spcAft>
-              <a:buClrTx/>
-              <a:buSzTx/>
-              <a:buFontTx/>
-              <a:buNone/>
-            </a:pPr>
-            <a:endParaRPr kumimoji="0" lang="zh-CN" altLang="en-US" sz="1800" b="0" i="0" u="none" strike="noStrike" cap="none" normalizeH="0" baseline="0">
-              <a:ln>
-                <a:noFill/>
-              </a:ln>
-              <a:solidFill>
-                <a:schemeClr val="tx1"/>
-              </a:solidFill>
-              <a:effectLst/>
-              <a:latin typeface="Arial" panose="020B0604020202020204" pitchFamily="34" charset="0"/>
-              <a:ea typeface="SimSun" panose="02010600030101010101" pitchFamily="2" charset="-122"/>
-            </a:endParaRPr>
-          </a:p>
-        </p:txBody>
-      </p:sp>
-    </p:spTree>
-  </p:cSld>
-  <p:clrMapOvr>
-    <a:masterClrMapping/>
-  </p:clrMapOvr>
-</p:sld>
-</file>
-
-<file path=ppt/slides/slide22.xml><?xml version="1.0" encoding="utf-8"?>
-<p:sld xmlns:a="http://schemas.openxmlformats.org/drawingml/2006/main" xmlns:r="http://schemas.openxmlformats.org/officeDocument/2006/relationships" xmlns:p="http://schemas.openxmlformats.org/presentationml/2006/main">
-  <p:cSld>
-    <p:spTree>
-      <p:nvGrpSpPr>
-        <p:cNvPr id="1" name=""/>
-        <p:cNvGrpSpPr/>
-        <p:nvPr/>
-      </p:nvGrpSpPr>
-      <p:grpSpPr>
-        <a:xfrm>
-          <a:off x="0" y="0"/>
-          <a:ext cx="0" cy="0"/>
-          <a:chOff x="0" y="0"/>
-          <a:chExt cx="0" cy="0"/>
-        </a:xfrm>
-      </p:grpSpPr>
-      <p:sp>
-        <p:nvSpPr>
-          <p:cNvPr id="2" name="Title 1"/>
-          <p:cNvSpPr>
-            <a:spLocks noGrp="1"/>
-          </p:cNvSpPr>
-          <p:nvPr>
-            <p:ph type="title"/>
-          </p:nvPr>
-        </p:nvSpPr>
-        <p:spPr/>
-        <p:txBody>
-          <a:bodyPr/>
-          <a:lstStyle/>
-          <a:p>
-            <a:r>
               <a:rPr lang="es-ES" altLang="en-US" dirty="0"/>
               <a:t>FUTURES</a:t>
             </a:r>
@@ -38082,7 +36786,7 @@
 </p:sld>
 </file>
 
-<file path=ppt/slides/slide23.xml><?xml version="1.0" encoding="utf-8"?>
+<file path=ppt/slides/slide22.xml><?xml version="1.0" encoding="utf-8"?>
 <p:sld xmlns:a="http://schemas.openxmlformats.org/drawingml/2006/main" xmlns:r="http://schemas.openxmlformats.org/officeDocument/2006/relationships" xmlns:p="http://schemas.openxmlformats.org/presentationml/2006/main">
   <p:cSld>
     <p:spTree>

--- a/Material de Apoyo/DART_2023_T1.pptx
+++ b/Material de Apoyo/DART_2023_T1.pptx
@@ -232,7 +232,7 @@
           <a:p>
             <a:fld id="{0F9B84EA-7D68-4D60-9CB1-D50884785D1C}" type="datetimeFigureOut">
               <a:rPr lang="en-US" smtClean="0"/>
-              <a:t>2/13/2024</a:t>
+              <a:t>2/15/2024</a:t>
             </a:fld>
             <a:endParaRPr lang="en-US"/>
           </a:p>
@@ -397,7 +397,7 @@
           <a:p>
             <a:fld id="{D6C8D182-E4C8-4120-9249-FC9774456FFA}" type="datetimeFigureOut">
               <a:rPr lang="en-US" smtClean="0"/>
-              <a:t>2/13/2024</a:t>
+              <a:t>2/15/2024</a:t>
             </a:fld>
             <a:endParaRPr lang="en-US"/>
           </a:p>
@@ -9452,7 +9452,7 @@
           <a:p>
             <a:fld id="{760FBDFE-C587-4B4C-A407-44438C67B59E}" type="datetimeFigureOut">
               <a:rPr lang="en-US" smtClean="0"/>
-              <a:t>2/13/2024</a:t>
+              <a:t>2/15/2024</a:t>
             </a:fld>
             <a:endParaRPr lang="en-US" dirty="0"/>
           </a:p>
@@ -9660,7 +9660,7 @@
           <a:p>
             <a:fld id="{760FBDFE-C587-4B4C-A407-44438C67B59E}" type="datetimeFigureOut">
               <a:rPr lang="en-US" smtClean="0"/>
-              <a:t>2/13/2024</a:t>
+              <a:t>2/15/2024</a:t>
             </a:fld>
             <a:endParaRPr lang="en-US" dirty="0"/>
           </a:p>
@@ -9841,7 +9841,7 @@
           <a:p>
             <a:fld id="{760FBDFE-C587-4B4C-A407-44438C67B59E}" type="datetimeFigureOut">
               <a:rPr lang="en-US" smtClean="0"/>
-              <a:t>2/13/2024</a:t>
+              <a:t>2/15/2024</a:t>
             </a:fld>
             <a:endParaRPr lang="en-US" dirty="0"/>
           </a:p>
@@ -10047,7 +10047,7 @@
           <a:p>
             <a:fld id="{760FBDFE-C587-4B4C-A407-44438C67B59E}" type="datetimeFigureOut">
               <a:rPr lang="en-US" smtClean="0"/>
-              <a:t>2/13/2024</a:t>
+              <a:t>2/15/2024</a:t>
             </a:fld>
             <a:endParaRPr lang="en-US" dirty="0"/>
           </a:p>
@@ -18946,7 +18946,7 @@
           <a:p>
             <a:fld id="{760FBDFE-C587-4B4C-A407-44438C67B59E}" type="datetimeFigureOut">
               <a:rPr lang="en-US" smtClean="0"/>
-              <a:t>2/13/2024</a:t>
+              <a:t>2/15/2024</a:t>
             </a:fld>
             <a:endParaRPr lang="en-US" dirty="0"/>
           </a:p>
@@ -19221,7 +19221,7 @@
           <a:p>
             <a:fld id="{760FBDFE-C587-4B4C-A407-44438C67B59E}" type="datetimeFigureOut">
               <a:rPr lang="en-US" smtClean="0"/>
-              <a:t>2/13/2024</a:t>
+              <a:t>2/15/2024</a:t>
             </a:fld>
             <a:endParaRPr lang="en-US" dirty="0"/>
           </a:p>
@@ -19620,7 +19620,7 @@
           <a:p>
             <a:fld id="{760FBDFE-C587-4B4C-A407-44438C67B59E}" type="datetimeFigureOut">
               <a:rPr lang="en-US" smtClean="0"/>
-              <a:t>2/13/2024</a:t>
+              <a:t>2/15/2024</a:t>
             </a:fld>
             <a:endParaRPr lang="en-US" dirty="0"/>
           </a:p>
@@ -19739,7 +19739,7 @@
           <a:p>
             <a:fld id="{760FBDFE-C587-4B4C-A407-44438C67B59E}" type="datetimeFigureOut">
               <a:rPr lang="en-US" smtClean="0"/>
-              <a:t>2/13/2024</a:t>
+              <a:t>2/15/2024</a:t>
             </a:fld>
             <a:endParaRPr lang="en-US" dirty="0"/>
           </a:p>
@@ -19835,7 +19835,7 @@
           <a:p>
             <a:fld id="{760FBDFE-C587-4B4C-A407-44438C67B59E}" type="datetimeFigureOut">
               <a:rPr lang="en-US" smtClean="0"/>
-              <a:t>2/13/2024</a:t>
+              <a:t>2/15/2024</a:t>
             </a:fld>
             <a:endParaRPr lang="en-US" dirty="0"/>
           </a:p>
@@ -20126,7 +20126,7 @@
           <a:p>
             <a:fld id="{760FBDFE-C587-4B4C-A407-44438C67B59E}" type="datetimeFigureOut">
               <a:rPr lang="en-US" smtClean="0"/>
-              <a:t>2/13/2024</a:t>
+              <a:t>2/15/2024</a:t>
             </a:fld>
             <a:endParaRPr lang="en-US" dirty="0"/>
           </a:p>
@@ -20407,7 +20407,7 @@
           <a:p>
             <a:fld id="{760FBDFE-C587-4B4C-A407-44438C67B59E}" type="datetimeFigureOut">
               <a:rPr lang="en-US" smtClean="0"/>
-              <a:t>2/13/2024</a:t>
+              <a:t>2/15/2024</a:t>
             </a:fld>
             <a:endParaRPr lang="en-US" dirty="0"/>
           </a:p>
@@ -20658,7 +20658,7 @@
           <a:p>
             <a:fld id="{760FBDFE-C587-4B4C-A407-44438C67B59E}" type="datetimeFigureOut">
               <a:rPr lang="en-US" smtClean="0"/>
-              <a:t>2/13/2024</a:t>
+              <a:t>2/15/2024</a:t>
             </a:fld>
             <a:endParaRPr lang="en-US" dirty="0"/>
           </a:p>
